--- a/teaching/cs513-autocps-fall-2024/slides/MultiAgent.pptx
+++ b/teaching/cs513-autocps-fall-2024/slides/MultiAgent.pptx
@@ -281,7 +281,7 @@
           <a:p>
             <a:fld id="{C6FDED16-27A6-4B02-8990-5091F570602B}" type="datetimeFigureOut">
               <a:rPr lang="en-US" smtClean="0"/>
-              <a:t>11/20/2023</a:t>
+              <a:t>11/25/2024</a:t>
             </a:fld>
             <a:endParaRPr lang="en-US"/>
           </a:p>
@@ -479,7 +479,7 @@
           <a:p>
             <a:fld id="{C6FDED16-27A6-4B02-8990-5091F570602B}" type="datetimeFigureOut">
               <a:rPr lang="en-US" smtClean="0"/>
-              <a:t>11/20/2023</a:t>
+              <a:t>11/25/2024</a:t>
             </a:fld>
             <a:endParaRPr lang="en-US"/>
           </a:p>
@@ -687,7 +687,7 @@
           <a:p>
             <a:fld id="{C6FDED16-27A6-4B02-8990-5091F570602B}" type="datetimeFigureOut">
               <a:rPr lang="en-US" smtClean="0"/>
-              <a:t>11/20/2023</a:t>
+              <a:t>11/25/2024</a:t>
             </a:fld>
             <a:endParaRPr lang="en-US"/>
           </a:p>
@@ -899,7 +899,7 @@
           <p:nvPr userDrawn="1"/>
         </p:nvPicPr>
         <mc:AlternateContent xmlns:mc="http://schemas.openxmlformats.org/markup-compatibility/2006">
-          <mc:Choice xmlns="" xmlns:mv="urn:schemas-microsoft-com:mac:vml" xmlns:ma="http://schemas.microsoft.com/office/mac/drawingml/2008/main" Requires="ma">
+          <mc:Choice xmlns:ma="http://schemas.microsoft.com/office/mac/drawingml/2008/main" xmlns:mv="urn:schemas-microsoft-com:mac:vml" xmlns="" Requires="ma">
             <p:blipFill>
               <a:blip r:embed="rId3"/>
               <a:stretch>
@@ -1242,7 +1242,7 @@
           <a:p>
             <a:fld id="{C6FDED16-27A6-4B02-8990-5091F570602B}" type="datetimeFigureOut">
               <a:rPr lang="en-US" smtClean="0"/>
-              <a:t>11/20/2023</a:t>
+              <a:t>11/25/2024</a:t>
             </a:fld>
             <a:endParaRPr lang="en-US"/>
           </a:p>
@@ -1517,7 +1517,7 @@
           <a:p>
             <a:fld id="{C6FDED16-27A6-4B02-8990-5091F570602B}" type="datetimeFigureOut">
               <a:rPr lang="en-US" smtClean="0"/>
-              <a:t>11/20/2023</a:t>
+              <a:t>11/25/2024</a:t>
             </a:fld>
             <a:endParaRPr lang="en-US"/>
           </a:p>
@@ -1782,7 +1782,7 @@
           <a:p>
             <a:fld id="{C6FDED16-27A6-4B02-8990-5091F570602B}" type="datetimeFigureOut">
               <a:rPr lang="en-US" smtClean="0"/>
-              <a:t>11/20/2023</a:t>
+              <a:t>11/25/2024</a:t>
             </a:fld>
             <a:endParaRPr lang="en-US"/>
           </a:p>
@@ -2194,7 +2194,7 @@
           <a:p>
             <a:fld id="{C6FDED16-27A6-4B02-8990-5091F570602B}" type="datetimeFigureOut">
               <a:rPr lang="en-US" smtClean="0"/>
-              <a:t>11/20/2023</a:t>
+              <a:t>11/25/2024</a:t>
             </a:fld>
             <a:endParaRPr lang="en-US"/>
           </a:p>
@@ -2335,7 +2335,7 @@
           <a:p>
             <a:fld id="{C6FDED16-27A6-4B02-8990-5091F570602B}" type="datetimeFigureOut">
               <a:rPr lang="en-US" smtClean="0"/>
-              <a:t>11/20/2023</a:t>
+              <a:t>11/25/2024</a:t>
             </a:fld>
             <a:endParaRPr lang="en-US"/>
           </a:p>
@@ -2448,7 +2448,7 @@
           <a:p>
             <a:fld id="{C6FDED16-27A6-4B02-8990-5091F570602B}" type="datetimeFigureOut">
               <a:rPr lang="en-US" smtClean="0"/>
-              <a:t>11/20/2023</a:t>
+              <a:t>11/25/2024</a:t>
             </a:fld>
             <a:endParaRPr lang="en-US"/>
           </a:p>
@@ -2759,7 +2759,7 @@
           <a:p>
             <a:fld id="{C6FDED16-27A6-4B02-8990-5091F570602B}" type="datetimeFigureOut">
               <a:rPr lang="en-US" smtClean="0"/>
-              <a:t>11/20/2023</a:t>
+              <a:t>11/25/2024</a:t>
             </a:fld>
             <a:endParaRPr lang="en-US"/>
           </a:p>
@@ -3047,7 +3047,7 @@
           <a:p>
             <a:fld id="{C6FDED16-27A6-4B02-8990-5091F570602B}" type="datetimeFigureOut">
               <a:rPr lang="en-US" smtClean="0"/>
-              <a:t>11/20/2023</a:t>
+              <a:t>11/25/2024</a:t>
             </a:fld>
             <a:endParaRPr lang="en-US"/>
           </a:p>
@@ -3288,7 +3288,7 @@
           <a:p>
             <a:fld id="{C6FDED16-27A6-4B02-8990-5091F570602B}" type="datetimeFigureOut">
               <a:rPr lang="en-US" smtClean="0"/>
-              <a:t>11/20/2023</a:t>
+              <a:t>11/25/2024</a:t>
             </a:fld>
             <a:endParaRPr lang="en-US"/>
           </a:p>
@@ -3741,7 +3741,7 @@
             </a:br>
             <a:r>
               <a:rPr lang="en-US" sz="4000" dirty="0"/>
-              <a:t>Communication, Coordination &amp; Wrap-up</a:t>
+              <a:t>Communication, Coordination</a:t>
             </a:r>
             <a:endParaRPr lang="en-US" dirty="0"/>
           </a:p>
@@ -3772,7 +3772,7 @@
           <a:p>
             <a:r>
               <a:rPr lang="en-US" dirty="0"/>
-              <a:t>Fall 2023. CS 513.</a:t>
+              <a:t>Fall 2024. CS 513.</a:t>
             </a:r>
           </a:p>
           <a:p>

--- a/teaching/cs513-autocps-fall-2024/slides/MultiAgent.pptx
+++ b/teaching/cs513-autocps-fall-2024/slides/MultiAgent.pptx
@@ -6149,7 +6149,7 @@
 </file>
 
 <file path=ppt/slides/slide16.xml><?xml version="1.0" encoding="utf-8"?>
-<p:sld xmlns:a="http://schemas.openxmlformats.org/drawingml/2006/main" xmlns:r="http://schemas.openxmlformats.org/officeDocument/2006/relationships" xmlns:p="http://schemas.openxmlformats.org/presentationml/2006/main">
+<p:sld xmlns:a="http://schemas.openxmlformats.org/drawingml/2006/main" xmlns:r="http://schemas.openxmlformats.org/officeDocument/2006/relationships" xmlns:p="http://schemas.openxmlformats.org/presentationml/2006/main" show="0">
   <p:cSld>
     <p:spTree>
       <p:nvGrpSpPr>
@@ -6323,7 +6323,7 @@
 </file>
 
 <file path=ppt/slides/slide17.xml><?xml version="1.0" encoding="utf-8"?>
-<p:sld xmlns:a="http://schemas.openxmlformats.org/drawingml/2006/main" xmlns:r="http://schemas.openxmlformats.org/officeDocument/2006/relationships" xmlns:p="http://schemas.openxmlformats.org/presentationml/2006/main">
+<p:sld xmlns:a="http://schemas.openxmlformats.org/drawingml/2006/main" xmlns:r="http://schemas.openxmlformats.org/officeDocument/2006/relationships" xmlns:p="http://schemas.openxmlformats.org/presentationml/2006/main" show="0">
   <p:cSld>
     <p:spTree>
       <p:nvGrpSpPr>
@@ -11042,7 +11042,7 @@
 </file>
 
 <file path=ppt/slides/slide7.xml><?xml version="1.0" encoding="utf-8"?>
-<p:sld xmlns:a="http://schemas.openxmlformats.org/drawingml/2006/main" xmlns:r="http://schemas.openxmlformats.org/officeDocument/2006/relationships" xmlns:p="http://schemas.openxmlformats.org/presentationml/2006/main">
+<p:sld xmlns:a="http://schemas.openxmlformats.org/drawingml/2006/main" xmlns:r="http://schemas.openxmlformats.org/officeDocument/2006/relationships" xmlns:p="http://schemas.openxmlformats.org/presentationml/2006/main" show="0">
   <p:cSld>
     <p:spTree>
       <p:nvGrpSpPr>
